--- a/designpattern/ppt/设计模式（四）.pptx
+++ b/designpattern/ppt/设计模式（四）.pptx
@@ -9,14 +9,13 @@
     <p:sldId id="257" r:id="rId3"/>
     <p:sldId id="283" r:id="rId4"/>
     <p:sldId id="284" r:id="rId5"/>
-    <p:sldId id="282" r:id="rId6"/>
-    <p:sldId id="265" r:id="rId7"/>
-    <p:sldId id="267" r:id="rId8"/>
+    <p:sldId id="265" r:id="rId6"/>
+    <p:sldId id="267" r:id="rId7"/>
   </p:sldIdLst>
   <p:sldSz cx="12192000" cy="6858000"/>
   <p:notesSz cx="6858000" cy="9144000"/>
   <p:custDataLst>
-    <p:tags r:id="rId9"/>
+    <p:tags r:id="rId8"/>
   </p:custDataLst>
   <p:defaultTextStyle>
     <a:defPPr>
@@ -252,7 +251,7 @@
           <a:p>
             <a:fld id="{FE7217B6-AECB-4CF4-AA81-CA45E87CF494}" type="datetimeFigureOut">
               <a:rPr lang="zh-CN" altLang="en-US" smtClean="0"/>
-              <a:t>2016/12/2 Friday</a:t>
+              <a:t>2016/12/6 Tuesday</a:t>
             </a:fld>
             <a:endParaRPr lang="zh-CN" altLang="en-US"/>
           </a:p>
@@ -422,7 +421,7 @@
           <a:p>
             <a:fld id="{FE7217B6-AECB-4CF4-AA81-CA45E87CF494}" type="datetimeFigureOut">
               <a:rPr lang="zh-CN" altLang="en-US" smtClean="0"/>
-              <a:t>2016/12/2 Friday</a:t>
+              <a:t>2016/12/6 Tuesday</a:t>
             </a:fld>
             <a:endParaRPr lang="zh-CN" altLang="en-US"/>
           </a:p>
@@ -602,7 +601,7 @@
           <a:p>
             <a:fld id="{FE7217B6-AECB-4CF4-AA81-CA45E87CF494}" type="datetimeFigureOut">
               <a:rPr lang="zh-CN" altLang="en-US" smtClean="0"/>
-              <a:t>2016/12/2 Friday</a:t>
+              <a:t>2016/12/6 Tuesday</a:t>
             </a:fld>
             <a:endParaRPr lang="zh-CN" altLang="en-US"/>
           </a:p>
@@ -802,7 +801,7 @@
           <a:p>
             <a:fld id="{FE7217B6-AECB-4CF4-AA81-CA45E87CF494}" type="datetimeFigureOut">
               <a:rPr lang="zh-CN" altLang="en-US" smtClean="0"/>
-              <a:t>2016/12/2 Friday</a:t>
+              <a:t>2016/12/6 Tuesday</a:t>
             </a:fld>
             <a:endParaRPr lang="zh-CN" altLang="en-US"/>
           </a:p>
@@ -1048,7 +1047,7 @@
           <a:p>
             <a:fld id="{FE7217B6-AECB-4CF4-AA81-CA45E87CF494}" type="datetimeFigureOut">
               <a:rPr lang="zh-CN" altLang="en-US" smtClean="0"/>
-              <a:t>2016/12/2 Friday</a:t>
+              <a:t>2016/12/6 Tuesday</a:t>
             </a:fld>
             <a:endParaRPr lang="zh-CN" altLang="en-US"/>
           </a:p>
@@ -1280,7 +1279,7 @@
           <a:p>
             <a:fld id="{FE7217B6-AECB-4CF4-AA81-CA45E87CF494}" type="datetimeFigureOut">
               <a:rPr lang="zh-CN" altLang="en-US" smtClean="0"/>
-              <a:t>2016/12/2 Friday</a:t>
+              <a:t>2016/12/6 Tuesday</a:t>
             </a:fld>
             <a:endParaRPr lang="zh-CN" altLang="en-US"/>
           </a:p>
@@ -1647,7 +1646,7 @@
           <a:p>
             <a:fld id="{FE7217B6-AECB-4CF4-AA81-CA45E87CF494}" type="datetimeFigureOut">
               <a:rPr lang="zh-CN" altLang="en-US" smtClean="0"/>
-              <a:t>2016/12/2 Friday</a:t>
+              <a:t>2016/12/6 Tuesday</a:t>
             </a:fld>
             <a:endParaRPr lang="zh-CN" altLang="en-US"/>
           </a:p>
@@ -1765,7 +1764,7 @@
           <a:p>
             <a:fld id="{FE7217B6-AECB-4CF4-AA81-CA45E87CF494}" type="datetimeFigureOut">
               <a:rPr lang="zh-CN" altLang="en-US" smtClean="0"/>
-              <a:t>2016/12/2 Friday</a:t>
+              <a:t>2016/12/6 Tuesday</a:t>
             </a:fld>
             <a:endParaRPr lang="zh-CN" altLang="en-US"/>
           </a:p>
@@ -1860,7 +1859,7 @@
           <a:p>
             <a:fld id="{FE7217B6-AECB-4CF4-AA81-CA45E87CF494}" type="datetimeFigureOut">
               <a:rPr lang="zh-CN" altLang="en-US" smtClean="0"/>
-              <a:t>2016/12/2 Friday</a:t>
+              <a:t>2016/12/6 Tuesday</a:t>
             </a:fld>
             <a:endParaRPr lang="zh-CN" altLang="en-US"/>
           </a:p>
@@ -2137,7 +2136,7 @@
           <a:p>
             <a:fld id="{FE7217B6-AECB-4CF4-AA81-CA45E87CF494}" type="datetimeFigureOut">
               <a:rPr lang="zh-CN" altLang="en-US" smtClean="0"/>
-              <a:t>2016/12/2 Friday</a:t>
+              <a:t>2016/12/6 Tuesday</a:t>
             </a:fld>
             <a:endParaRPr lang="zh-CN" altLang="en-US"/>
           </a:p>
@@ -2390,7 +2389,7 @@
           <a:p>
             <a:fld id="{FE7217B6-AECB-4CF4-AA81-CA45E87CF494}" type="datetimeFigureOut">
               <a:rPr lang="zh-CN" altLang="en-US" smtClean="0"/>
-              <a:t>2016/12/2 Friday</a:t>
+              <a:t>2016/12/6 Tuesday</a:t>
             </a:fld>
             <a:endParaRPr lang="zh-CN" altLang="en-US"/>
           </a:p>
@@ -2606,7 +2605,7 @@
           <a:p>
             <a:fld id="{FE7217B6-AECB-4CF4-AA81-CA45E87CF494}" type="datetimeFigureOut">
               <a:rPr lang="zh-CN" altLang="en-US" smtClean="0"/>
-              <a:t>2016/12/2 Friday</a:t>
+              <a:t>2016/12/6 Tuesday</a:t>
             </a:fld>
             <a:endParaRPr lang="zh-CN" altLang="en-US"/>
           </a:p>
@@ -3312,15 +3311,7 @@
                   <a:schemeClr val="bg1"/>
                 </a:solidFill>
               </a:rPr>
-              <a:t>行为型</a:t>
-            </a:r>
-            <a:r>
-              <a:rPr lang="zh-CN" altLang="en-US" sz="6000" dirty="0" smtClean="0">
-                <a:solidFill>
-                  <a:schemeClr val="bg1"/>
-                </a:solidFill>
-              </a:rPr>
-              <a:t>设计</a:t>
+              <a:t>行为型设计</a:t>
             </a:r>
             <a:r>
               <a:rPr lang="zh-CN" altLang="en-US" sz="6000" dirty="0">
@@ -3437,7 +3428,23 @@
                   <a:schemeClr val="bg1"/>
                 </a:solidFill>
               </a:rPr>
-              <a:t>创建对象</a:t>
+              <a:t>创建</a:t>
+            </a:r>
+            <a:r>
+              <a:rPr lang="zh-CN" altLang="en-US" sz="2400" dirty="0">
+                <a:solidFill>
+                  <a:schemeClr val="bg1"/>
+                </a:solidFill>
+              </a:rPr>
+              <a:t>对象、抽象实例化</a:t>
+            </a:r>
+            <a:r>
+              <a:rPr lang="zh-CN" altLang="en-US" sz="2400" dirty="0" smtClean="0">
+                <a:solidFill>
+                  <a:schemeClr val="bg1"/>
+                </a:solidFill>
+              </a:rPr>
+              <a:t>过程</a:t>
             </a:r>
             <a:endParaRPr lang="zh-CN" altLang="en-US" sz="2400" dirty="0">
               <a:solidFill>
@@ -3475,7 +3482,15 @@
                   <a:schemeClr val="bg1"/>
                 </a:solidFill>
               </a:rPr>
-              <a:t>抽象实例化过程</a:t>
+              <a:t>它们隐藏了这些类的实例是如何被创建和组织</a:t>
+            </a:r>
+            <a:r>
+              <a:rPr lang="zh-CN" altLang="en-US" sz="2400" dirty="0" smtClean="0">
+                <a:solidFill>
+                  <a:schemeClr val="bg1"/>
+                </a:solidFill>
+              </a:rPr>
+              <a:t>的</a:t>
             </a:r>
             <a:endParaRPr lang="zh-CN" altLang="en-US" sz="2400" dirty="0">
               <a:solidFill>
@@ -3494,7 +3509,7 @@
         <p:spPr>
           <a:xfrm>
             <a:off x="2469659" y="4076729"/>
-            <a:ext cx="7713785" cy="461665"/>
+            <a:ext cx="7713785" cy="830997"/>
           </a:xfrm>
           <a:prstGeom prst="rect">
             <a:avLst/>
@@ -3508,16 +3523,72 @@
           <a:lstStyle/>
           <a:p>
             <a:r>
+              <a:rPr lang="zh-CN" altLang="en-US" sz="2400" dirty="0" smtClean="0">
+                <a:solidFill>
+                  <a:srgbClr val="FF0000"/>
+                </a:solidFill>
+              </a:rPr>
+              <a:t>简单</a:t>
+            </a:r>
+            <a:r>
               <a:rPr lang="zh-CN" altLang="en-US" sz="2400" dirty="0">
                 <a:solidFill>
+                  <a:srgbClr val="FF0000"/>
+                </a:solidFill>
+              </a:rPr>
+              <a:t>工厂模式</a:t>
+            </a:r>
+            <a:r>
+              <a:rPr lang="zh-CN" altLang="en-US" sz="2400" dirty="0">
+                <a:solidFill>
                   <a:schemeClr val="bg1"/>
                 </a:solidFill>
               </a:rPr>
-              <a:t>它们隐藏了这些类的实例是如何被创建和组织的</a:t>
+              <a:t>、</a:t>
+            </a:r>
+            <a:r>
+              <a:rPr lang="zh-CN" altLang="en-US" sz="2400" dirty="0">
+                <a:solidFill>
+                  <a:srgbClr val="FF0000"/>
+                </a:solidFill>
+              </a:rPr>
+              <a:t>工厂方法模式</a:t>
+            </a:r>
+            <a:r>
+              <a:rPr lang="zh-CN" altLang="en-US" sz="2400" dirty="0">
+                <a:solidFill>
+                  <a:schemeClr val="bg1"/>
+                </a:solidFill>
+              </a:rPr>
+              <a:t>、</a:t>
+            </a:r>
+            <a:r>
+              <a:rPr lang="zh-CN" altLang="en-US" sz="2400" dirty="0">
+                <a:solidFill>
+                  <a:srgbClr val="FF0000"/>
+                </a:solidFill>
+              </a:rPr>
+              <a:t>抽象工厂模式</a:t>
+            </a:r>
+            <a:r>
+              <a:rPr lang="zh-CN" altLang="en-US" sz="2400" dirty="0">
+                <a:solidFill>
+                  <a:schemeClr val="bg1"/>
+                </a:solidFill>
+              </a:rPr>
+              <a:t>、建造者模式、原型模式、</a:t>
+            </a:r>
+            <a:r>
+              <a:rPr lang="zh-CN" altLang="en-US" sz="2400" dirty="0">
+                <a:solidFill>
+                  <a:srgbClr val="FF0000"/>
+                </a:solidFill>
+              </a:rPr>
+              <a:t>单例模式</a:t>
             </a:r>
             <a:endParaRPr lang="zh-CN" altLang="en-US" sz="2400" dirty="0">
               <a:solidFill>
-                <a:srgbClr val="C00000"/>
+                <a:srgbClr val="FF0000"/>
               </a:solidFill>
             </a:endParaRPr>
           </a:p>
@@ -4059,7 +4130,7 @@
                   <a:schemeClr val="bg1"/>
                 </a:solidFill>
               </a:rPr>
-              <a:t>创建对象</a:t>
+              <a:t>用于不同对象之间职责划分、对象之间的交流</a:t>
             </a:r>
             <a:endParaRPr lang="zh-CN" altLang="en-US" sz="2400" dirty="0">
               <a:solidFill>
@@ -4077,8 +4148,8 @@
         </p:nvSpPr>
         <p:spPr>
           <a:xfrm>
-            <a:off x="2469659" y="3344093"/>
-            <a:ext cx="7713785" cy="461665"/>
+            <a:off x="2321166" y="3771929"/>
+            <a:ext cx="7713785" cy="707886"/>
           </a:xfrm>
           <a:prstGeom prst="rect">
             <a:avLst/>
@@ -4092,56 +4163,101 @@
           <a:lstStyle/>
           <a:p>
             <a:r>
-              <a:rPr lang="zh-CN" altLang="en-US" sz="2400" dirty="0">
+              <a:rPr lang="zh-CN" altLang="en-US" sz="2400" dirty="0" smtClean="0">
                 <a:solidFill>
                   <a:schemeClr val="bg1"/>
                 </a:solidFill>
               </a:rPr>
-              <a:t>抽象实例化过程</a:t>
-            </a:r>
-            <a:endParaRPr lang="zh-CN" altLang="en-US" sz="2400" dirty="0">
-              <a:solidFill>
-                <a:srgbClr val="C00000"/>
-              </a:solidFill>
-            </a:endParaRPr>
-          </a:p>
-        </p:txBody>
-      </p:sp>
-      <p:sp>
-        <p:nvSpPr>
-          <p:cNvPr id="6" name="文本框 5"/>
-          <p:cNvSpPr txBox="1"/>
-          <p:nvPr/>
-        </p:nvSpPr>
-        <p:spPr>
-          <a:xfrm>
-            <a:off x="2469659" y="4076729"/>
-            <a:ext cx="7713785" cy="461665"/>
-          </a:xfrm>
-          <a:prstGeom prst="rect">
-            <a:avLst/>
-          </a:prstGeom>
-          <a:noFill/>
-        </p:spPr>
-        <p:txBody>
-          <a:bodyPr wrap="square" rtlCol="0">
-            <a:spAutoFit/>
-          </a:bodyPr>
-          <a:lstStyle/>
-          <a:p>
-            <a:r>
-              <a:rPr lang="zh-CN" altLang="en-US" sz="2400" dirty="0">
+              <a:t>行为型：</a:t>
+            </a:r>
+            <a:r>
+              <a:rPr lang="zh-CN" altLang="en-US" sz="1600" dirty="0">
                 <a:solidFill>
                   <a:schemeClr val="bg1"/>
                 </a:solidFill>
               </a:rPr>
-              <a:t>它们隐藏了这些类的实例是如何被创建和组织的</a:t>
-            </a:r>
-            <a:endParaRPr lang="zh-CN" altLang="en-US" sz="2400" dirty="0">
-              <a:solidFill>
-                <a:srgbClr val="C00000"/>
-              </a:solidFill>
-            </a:endParaRPr>
+              <a:t>模板方法模式、</a:t>
+            </a:r>
+            <a:r>
+              <a:rPr lang="zh-CN" altLang="en-US" sz="1600" dirty="0">
+                <a:solidFill>
+                  <a:srgbClr val="FF0000"/>
+                </a:solidFill>
+              </a:rPr>
+              <a:t>观察者模式</a:t>
+            </a:r>
+            <a:r>
+              <a:rPr lang="zh-CN" altLang="en-US" sz="1600" dirty="0">
+                <a:solidFill>
+                  <a:schemeClr val="bg1"/>
+                </a:solidFill>
+              </a:rPr>
+              <a:t>、</a:t>
+            </a:r>
+            <a:r>
+              <a:rPr lang="zh-CN" altLang="en-US" sz="1600" dirty="0">
+                <a:solidFill>
+                  <a:srgbClr val="FF0000"/>
+                </a:solidFill>
+              </a:rPr>
+              <a:t>状态模式</a:t>
+            </a:r>
+            <a:r>
+              <a:rPr lang="zh-CN" altLang="en-US" sz="1600" dirty="0">
+                <a:solidFill>
+                  <a:schemeClr val="bg1"/>
+                </a:solidFill>
+              </a:rPr>
+              <a:t>、</a:t>
+            </a:r>
+            <a:r>
+              <a:rPr lang="zh-CN" altLang="en-US" sz="1600" dirty="0">
+                <a:solidFill>
+                  <a:srgbClr val="FF0000"/>
+                </a:solidFill>
+              </a:rPr>
+              <a:t>策略模式</a:t>
+            </a:r>
+            <a:r>
+              <a:rPr lang="zh-CN" altLang="en-US" sz="1600" dirty="0">
+                <a:solidFill>
+                  <a:schemeClr val="bg1"/>
+                </a:solidFill>
+              </a:rPr>
+              <a:t>、责任链模式、</a:t>
+            </a:r>
+            <a:r>
+              <a:rPr lang="zh-CN" altLang="en-US" sz="1600" dirty="0">
+                <a:solidFill>
+                  <a:srgbClr val="FF0000"/>
+                </a:solidFill>
+              </a:rPr>
+              <a:t>命令模式</a:t>
+            </a:r>
+            <a:r>
+              <a:rPr lang="zh-CN" altLang="en-US" sz="1600" dirty="0">
+                <a:solidFill>
+                  <a:schemeClr val="bg1"/>
+                </a:solidFill>
+              </a:rPr>
+              <a:t>、访问者模式、中介者模式、备忘录模式、</a:t>
+            </a:r>
+            <a:r>
+              <a:rPr lang="zh-CN" altLang="en-US" sz="1600" dirty="0">
+                <a:solidFill>
+                  <a:srgbClr val="FF0000"/>
+                </a:solidFill>
+              </a:rPr>
+              <a:t>迭代器模式</a:t>
+            </a:r>
+            <a:r>
+              <a:rPr lang="zh-CN" altLang="en-US" sz="1600" dirty="0">
+                <a:solidFill>
+                  <a:schemeClr val="bg1"/>
+                </a:solidFill>
+              </a:rPr>
+              <a:t>、解释器模式</a:t>
+            </a:r>
           </a:p>
         </p:txBody>
       </p:sp>
@@ -4253,51 +4369,6 @@
                       </p:childTnLst>
                     </p:cTn>
                   </p:par>
-                  <p:par>
-                    <p:cTn id="11" fill="hold">
-                      <p:stCondLst>
-                        <p:cond delay="indefinite"/>
-                      </p:stCondLst>
-                      <p:childTnLst>
-                        <p:par>
-                          <p:cTn id="12" fill="hold">
-                            <p:stCondLst>
-                              <p:cond delay="0"/>
-                            </p:stCondLst>
-                            <p:childTnLst>
-                              <p:par>
-                                <p:cTn id="13" presetID="1" presetClass="entr" presetSubtype="0" fill="hold" grpId="0" nodeType="clickEffect">
-                                  <p:stCondLst>
-                                    <p:cond delay="0"/>
-                                  </p:stCondLst>
-                                  <p:childTnLst>
-                                    <p:set>
-                                      <p:cBhvr>
-                                        <p:cTn id="14" dur="1" fill="hold">
-                                          <p:stCondLst>
-                                            <p:cond delay="0"/>
-                                          </p:stCondLst>
-                                        </p:cTn>
-                                        <p:tgtEl>
-                                          <p:spTgt spid="6"/>
-                                        </p:tgtEl>
-                                        <p:attrNameLst>
-                                          <p:attrName>style.visibility</p:attrName>
-                                        </p:attrNameLst>
-                                      </p:cBhvr>
-                                      <p:to>
-                                        <p:strVal val="visible"/>
-                                      </p:to>
-                                    </p:set>
-                                  </p:childTnLst>
-                                </p:cTn>
-                              </p:par>
-                            </p:childTnLst>
-                          </p:cTn>
-                        </p:par>
-                      </p:childTnLst>
-                    </p:cTn>
-                  </p:par>
                 </p:childTnLst>
               </p:cTn>
               <p:prevCondLst>
@@ -4322,7 +4393,6 @@
     <p:bldLst>
       <p:bldP spid="4" grpId="0"/>
       <p:bldP spid="5" grpId="0"/>
-      <p:bldP spid="6" grpId="0"/>
     </p:bldLst>
   </p:timing>
 </p:sld>
@@ -4353,191 +4423,6 @@
         </p:nvSpPr>
         <p:spPr>
           <a:xfrm>
-            <a:off x="0" y="1117601"/>
-            <a:ext cx="12129477" cy="1015663"/>
-          </a:xfrm>
-          <a:prstGeom prst="rect">
-            <a:avLst/>
-          </a:prstGeom>
-          <a:noFill/>
-        </p:spPr>
-        <p:txBody>
-          <a:bodyPr wrap="square" rtlCol="0">
-            <a:spAutoFit/>
-          </a:bodyPr>
-          <a:lstStyle/>
-          <a:p>
-            <a:pPr algn="ctr"/>
-            <a:r>
-              <a:rPr lang="zh-CN" altLang="en-US" sz="6000" dirty="0" smtClean="0">
-                <a:solidFill>
-                  <a:schemeClr val="bg1"/>
-                </a:solidFill>
-              </a:rPr>
-              <a:t>类图的六大关系</a:t>
-            </a:r>
-            <a:endParaRPr lang="zh-CN" altLang="en-US" sz="6000" dirty="0">
-              <a:solidFill>
-                <a:schemeClr val="bg1"/>
-              </a:solidFill>
-            </a:endParaRPr>
-          </a:p>
-        </p:txBody>
-      </p:sp>
-      <p:sp>
-        <p:nvSpPr>
-          <p:cNvPr id="3" name="文本框 2"/>
-          <p:cNvSpPr txBox="1"/>
-          <p:nvPr/>
-        </p:nvSpPr>
-        <p:spPr>
-          <a:xfrm>
-            <a:off x="4392246" y="3102708"/>
-            <a:ext cx="3752950" cy="369332"/>
-          </a:xfrm>
-          <a:prstGeom prst="rect">
-            <a:avLst/>
-          </a:prstGeom>
-          <a:noFill/>
-        </p:spPr>
-        <p:txBody>
-          <a:bodyPr wrap="none" rtlCol="0">
-            <a:spAutoFit/>
-          </a:bodyPr>
-          <a:lstStyle/>
-          <a:p>
-            <a:r>
-              <a:rPr lang="zh-CN" altLang="en-US" dirty="0" smtClean="0">
-                <a:solidFill>
-                  <a:schemeClr val="bg1"/>
-                </a:solidFill>
-              </a:rPr>
-              <a:t>哪六大关系？ 图的表示是什么样？</a:t>
-            </a:r>
-            <a:endParaRPr lang="zh-CN" altLang="en-US" dirty="0">
-              <a:solidFill>
-                <a:schemeClr val="bg1"/>
-              </a:solidFill>
-            </a:endParaRPr>
-          </a:p>
-        </p:txBody>
-      </p:sp>
-    </p:spTree>
-    <p:extLst>
-      <p:ext uri="{BB962C8B-B14F-4D97-AF65-F5344CB8AC3E}">
-        <p14:creationId xmlns:p14="http://schemas.microsoft.com/office/powerpoint/2010/main" val="949463248"/>
-      </p:ext>
-    </p:extLst>
-  </p:cSld>
-  <p:clrMapOvr>
-    <a:masterClrMapping/>
-  </p:clrMapOvr>
-  <p:timing>
-    <p:tnLst>
-      <p:par>
-        <p:cTn id="1" dur="indefinite" restart="never" nodeType="tmRoot">
-          <p:childTnLst>
-            <p:seq concurrent="1" nextAc="seek">
-              <p:cTn id="2" dur="indefinite" nodeType="mainSeq">
-                <p:childTnLst>
-                  <p:par>
-                    <p:cTn id="3" fill="hold">
-                      <p:stCondLst>
-                        <p:cond delay="indefinite"/>
-                      </p:stCondLst>
-                      <p:childTnLst>
-                        <p:par>
-                          <p:cTn id="4" fill="hold">
-                            <p:stCondLst>
-                              <p:cond delay="0"/>
-                            </p:stCondLst>
-                            <p:childTnLst>
-                              <p:par>
-                                <p:cTn id="5" presetID="1" presetClass="entr" presetSubtype="0" fill="hold" grpId="0" nodeType="clickEffect">
-                                  <p:stCondLst>
-                                    <p:cond delay="0"/>
-                                  </p:stCondLst>
-                                  <p:childTnLst>
-                                    <p:set>
-                                      <p:cBhvr>
-                                        <p:cTn id="6" dur="1" fill="hold">
-                                          <p:stCondLst>
-                                            <p:cond delay="0"/>
-                                          </p:stCondLst>
-                                        </p:cTn>
-                                        <p:tgtEl>
-                                          <p:spTgt spid="3"/>
-                                        </p:tgtEl>
-                                        <p:attrNameLst>
-                                          <p:attrName>style.visibility</p:attrName>
-                                        </p:attrNameLst>
-                                      </p:cBhvr>
-                                      <p:to>
-                                        <p:strVal val="visible"/>
-                                      </p:to>
-                                    </p:set>
-                                  </p:childTnLst>
-                                </p:cTn>
-                              </p:par>
-                            </p:childTnLst>
-                          </p:cTn>
-                        </p:par>
-                      </p:childTnLst>
-                    </p:cTn>
-                  </p:par>
-                </p:childTnLst>
-              </p:cTn>
-              <p:prevCondLst>
-                <p:cond evt="onPrev" delay="0">
-                  <p:tgtEl>
-                    <p:sldTgt/>
-                  </p:tgtEl>
-                </p:cond>
-              </p:prevCondLst>
-              <p:nextCondLst>
-                <p:cond evt="onNext" delay="0">
-                  <p:tgtEl>
-                    <p:sldTgt/>
-                  </p:tgtEl>
-                </p:cond>
-              </p:nextCondLst>
-            </p:seq>
-          </p:childTnLst>
-        </p:cTn>
-      </p:par>
-    </p:tnLst>
-    <p:bldLst>
-      <p:bldP spid="3" grpId="0"/>
-    </p:bldLst>
-  </p:timing>
-</p:sld>
-</file>
-
-<file path=ppt/slides/slide6.xml><?xml version="1.0" encoding="utf-8"?>
-<p:sld xmlns:a="http://schemas.openxmlformats.org/drawingml/2006/main" xmlns:r="http://schemas.openxmlformats.org/officeDocument/2006/relationships" xmlns:p="http://schemas.openxmlformats.org/presentationml/2006/main">
-  <p:cSld>
-    <p:spTree>
-      <p:nvGrpSpPr>
-        <p:cNvPr id="1" name=""/>
-        <p:cNvGrpSpPr/>
-        <p:nvPr/>
-      </p:nvGrpSpPr>
-      <p:grpSpPr>
-        <a:xfrm>
-          <a:off x="0" y="0"/>
-          <a:ext cx="0" cy="0"/>
-          <a:chOff x="0" y="0"/>
-          <a:chExt cx="0" cy="0"/>
-        </a:xfrm>
-      </p:grpSpPr>
-      <p:sp>
-        <p:nvSpPr>
-          <p:cNvPr id="2" name="文本框 1"/>
-          <p:cNvSpPr txBox="1"/>
-          <p:nvPr/>
-        </p:nvSpPr>
-        <p:spPr>
-          <a:xfrm>
             <a:off x="-306486" y="748453"/>
             <a:ext cx="12129477" cy="1015663"/>
           </a:xfrm>
@@ -4577,8 +4462,8 @@
         </p:nvSpPr>
         <p:spPr>
           <a:xfrm>
-            <a:off x="3845169" y="1905962"/>
-            <a:ext cx="6647974" cy="369332"/>
+            <a:off x="3845169" y="1822770"/>
+            <a:ext cx="6878806" cy="646331"/>
           </a:xfrm>
           <a:prstGeom prst="rect">
             <a:avLst/>
@@ -4592,12 +4477,20 @@
           <a:lstStyle/>
           <a:p>
             <a:r>
+              <a:rPr lang="zh-CN" altLang="en-US" dirty="0" smtClean="0">
+                <a:solidFill>
+                  <a:schemeClr val="bg1"/>
+                </a:solidFill>
+              </a:rPr>
+              <a:t>一</a:t>
+            </a:r>
+            <a:r>
               <a:rPr lang="zh-CN" altLang="en-US" dirty="0">
                 <a:solidFill>
                   <a:schemeClr val="bg1"/>
                 </a:solidFill>
               </a:rPr>
-              <a:t>使由于接口不兼容而不能一起工作的</a:t>
+              <a:t>种一对多的关系，让多个观察者对象同时监听某一个主题对象</a:t>
             </a:r>
             <a:r>
               <a:rPr lang="zh-CN" altLang="en-US" dirty="0" smtClean="0">
@@ -4605,7 +4498,22 @@
                   <a:schemeClr val="bg1"/>
                 </a:solidFill>
               </a:rPr>
-              <a:t>类（或对象）可以</a:t>
+              <a:t>，</a:t>
+            </a:r>
+            <a:endParaRPr lang="en-US" altLang="zh-CN" dirty="0" smtClean="0">
+              <a:solidFill>
+                <a:schemeClr val="bg1"/>
+              </a:solidFill>
+            </a:endParaRPr>
+          </a:p>
+          <a:p>
+            <a:r>
+              <a:rPr lang="zh-CN" altLang="en-US" dirty="0" smtClean="0">
+                <a:solidFill>
+                  <a:schemeClr val="bg1"/>
+                </a:solidFill>
+              </a:rPr>
+              <a:t>这个</a:t>
             </a:r>
             <a:r>
               <a:rPr lang="zh-CN" altLang="en-US" dirty="0">
@@ -4613,8 +4521,21 @@
                   <a:schemeClr val="bg1"/>
                 </a:solidFill>
               </a:rPr>
-              <a:t>一起工作</a:t>
-            </a:r>
+              <a:t>主题对象的状态发生变化时就会通知所有的观察者</a:t>
+            </a:r>
+            <a:r>
+              <a:rPr lang="zh-CN" altLang="en-US" dirty="0" smtClean="0">
+                <a:solidFill>
+                  <a:schemeClr val="bg1"/>
+                </a:solidFill>
+              </a:rPr>
+              <a:t>对象</a:t>
+            </a:r>
+            <a:endParaRPr lang="zh-CN" altLang="en-US" dirty="0">
+              <a:solidFill>
+                <a:schemeClr val="bg1"/>
+              </a:solidFill>
+            </a:endParaRPr>
           </a:p>
         </p:txBody>
       </p:sp>
@@ -4655,8 +4576,8 @@
           <a:p>
             <a:pPr algn="ctr"/>
             <a:r>
-              <a:rPr lang="en-US" altLang="zh-CN" dirty="0" smtClean="0"/>
-              <a:t>Adapter</a:t>
+              <a:rPr lang="zh-CN" altLang="en-US" dirty="0"/>
+              <a:t>观察者模式</a:t>
             </a:r>
             <a:endParaRPr lang="zh-CN" altLang="en-US" dirty="0"/>
           </a:p>
@@ -4670,7 +4591,7 @@
         </p:nvSpPr>
         <p:spPr>
           <a:xfrm>
-            <a:off x="1797538" y="2491374"/>
+            <a:off x="1797538" y="2559814"/>
             <a:ext cx="1524000" cy="601784"/>
           </a:xfrm>
           <a:prstGeom prst="roundRect">
@@ -4699,8 +4620,8 @@
           <a:p>
             <a:pPr algn="ctr"/>
             <a:r>
-              <a:rPr lang="en-US" altLang="zh-CN" dirty="0" smtClean="0"/>
-              <a:t>Bridge</a:t>
+              <a:rPr lang="zh-CN" altLang="en-US" dirty="0"/>
+              <a:t>状态模式</a:t>
             </a:r>
             <a:endParaRPr lang="zh-CN" altLang="en-US" dirty="0"/>
           </a:p>
@@ -4715,7 +4636,7 @@
         <p:spPr>
           <a:xfrm>
             <a:off x="3845169" y="2607600"/>
-            <a:ext cx="4570482" cy="369332"/>
+            <a:ext cx="6186309" cy="646331"/>
           </a:xfrm>
           <a:prstGeom prst="rect">
             <a:avLst/>
@@ -4734,8 +4655,44 @@
                   <a:schemeClr val="bg1"/>
                 </a:solidFill>
               </a:rPr>
-              <a:t>将抽象和实现分离，使他们可以独立的变化</a:t>
-            </a:r>
+              <a:t>当一个对象的内部状态发生改变时，会导致其行为的改变</a:t>
+            </a:r>
+            <a:r>
+              <a:rPr lang="zh-CN" altLang="en-US" dirty="0" smtClean="0">
+                <a:solidFill>
+                  <a:schemeClr val="bg1"/>
+                </a:solidFill>
+              </a:rPr>
+              <a:t>，</a:t>
+            </a:r>
+            <a:endParaRPr lang="en-US" altLang="zh-CN" dirty="0" smtClean="0">
+              <a:solidFill>
+                <a:schemeClr val="bg1"/>
+              </a:solidFill>
+            </a:endParaRPr>
+          </a:p>
+          <a:p>
+            <a:r>
+              <a:rPr lang="zh-CN" altLang="en-US" dirty="0" smtClean="0">
+                <a:solidFill>
+                  <a:schemeClr val="bg1"/>
+                </a:solidFill>
+              </a:rPr>
+              <a:t>这</a:t>
+            </a:r>
+            <a:r>
+              <a:rPr lang="zh-CN" altLang="en-US" dirty="0">
+                <a:solidFill>
+                  <a:schemeClr val="bg1"/>
+                </a:solidFill>
+              </a:rPr>
+              <a:t>看起来像是改变了对象</a:t>
+            </a:r>
+            <a:endParaRPr lang="zh-CN" altLang="en-US" dirty="0">
+              <a:solidFill>
+                <a:schemeClr val="bg1"/>
+              </a:solidFill>
+            </a:endParaRPr>
           </a:p>
         </p:txBody>
       </p:sp>
@@ -4747,7 +4704,7 @@
         </p:nvSpPr>
         <p:spPr>
           <a:xfrm>
-            <a:off x="1797538" y="3197335"/>
+            <a:off x="1797538" y="3261452"/>
             <a:ext cx="1524000" cy="601784"/>
           </a:xfrm>
           <a:prstGeom prst="roundRect">
@@ -4776,8 +4733,8 @@
           <a:p>
             <a:pPr algn="ctr"/>
             <a:r>
-              <a:rPr lang="en-US" altLang="zh-CN" dirty="0" smtClean="0"/>
-              <a:t>Composite</a:t>
+              <a:rPr lang="zh-CN" altLang="en-US" dirty="0"/>
+              <a:t>策略模式</a:t>
             </a:r>
             <a:endParaRPr lang="zh-CN" altLang="en-US" dirty="0"/>
           </a:p>
@@ -4791,8 +4748,8 @@
         </p:nvSpPr>
         <p:spPr>
           <a:xfrm>
-            <a:off x="3845169" y="3309238"/>
-            <a:ext cx="8032968" cy="369332"/>
+            <a:off x="3845169" y="3377678"/>
+            <a:ext cx="6186309" cy="646331"/>
           </a:xfrm>
           <a:prstGeom prst="rect">
             <a:avLst/>
@@ -4811,8 +4768,44 @@
                   <a:schemeClr val="bg1"/>
                 </a:solidFill>
               </a:rPr>
-              <a:t>将对象组合成树状层次结构，使用户对单个对象和组合对象具有一致的访问性</a:t>
-            </a:r>
+              <a:t>将定义的一组算法封装起来，使其相互之间可以替换</a:t>
+            </a:r>
+            <a:r>
+              <a:rPr lang="zh-CN" altLang="en-US" dirty="0" smtClean="0">
+                <a:solidFill>
+                  <a:schemeClr val="bg1"/>
+                </a:solidFill>
+              </a:rPr>
+              <a:t>。</a:t>
+            </a:r>
+            <a:endParaRPr lang="en-US" altLang="zh-CN" dirty="0" smtClean="0">
+              <a:solidFill>
+                <a:schemeClr val="bg1"/>
+              </a:solidFill>
+            </a:endParaRPr>
+          </a:p>
+          <a:p>
+            <a:r>
+              <a:rPr lang="zh-CN" altLang="en-US" dirty="0" smtClean="0">
+                <a:solidFill>
+                  <a:schemeClr val="bg1"/>
+                </a:solidFill>
+              </a:rPr>
+              <a:t>封装</a:t>
+            </a:r>
+            <a:r>
+              <a:rPr lang="zh-CN" altLang="en-US" dirty="0">
+                <a:solidFill>
+                  <a:schemeClr val="bg1"/>
+                </a:solidFill>
+              </a:rPr>
+              <a:t>的算法具有一定的独立性，不会随客户端变化而变化。</a:t>
+            </a:r>
+            <a:endParaRPr lang="zh-CN" altLang="en-US" dirty="0">
+              <a:solidFill>
+                <a:schemeClr val="bg1"/>
+              </a:solidFill>
+            </a:endParaRPr>
           </a:p>
         </p:txBody>
       </p:sp>
@@ -4824,7 +4817,7 @@
         </p:nvSpPr>
         <p:spPr>
           <a:xfrm>
-            <a:off x="1797538" y="3903296"/>
+            <a:off x="1797538" y="4010876"/>
             <a:ext cx="1524000" cy="601784"/>
           </a:xfrm>
           <a:prstGeom prst="roundRect">
@@ -4853,8 +4846,8 @@
           <a:p>
             <a:pPr algn="ctr"/>
             <a:r>
-              <a:rPr lang="en-US" altLang="zh-CN" b="1" dirty="0"/>
-              <a:t>Decorator</a:t>
+              <a:rPr lang="zh-CN" altLang="en-US" b="1" dirty="0"/>
+              <a:t>命令模式</a:t>
             </a:r>
             <a:endParaRPr lang="zh-CN" altLang="en-US" dirty="0"/>
           </a:p>
@@ -4868,8 +4861,8 @@
         </p:nvSpPr>
         <p:spPr>
           <a:xfrm>
-            <a:off x="3845169" y="4010876"/>
-            <a:ext cx="3185487" cy="369332"/>
+            <a:off x="3845169" y="4127102"/>
+            <a:ext cx="8263801" cy="369332"/>
           </a:xfrm>
           <a:prstGeom prst="rect">
             <a:avLst/>
@@ -4888,8 +4881,21 @@
                   <a:schemeClr val="bg1"/>
                 </a:solidFill>
               </a:rPr>
-              <a:t>动态的给对象增加一些职责。</a:t>
-            </a:r>
+              <a:t>用于将一个请求封装成一个对象，从而使你可用不同的请求对客户进行参数</a:t>
+            </a:r>
+            <a:r>
+              <a:rPr lang="zh-CN" altLang="en-US" dirty="0" smtClean="0">
+                <a:solidFill>
+                  <a:schemeClr val="bg1"/>
+                </a:solidFill>
+              </a:rPr>
+              <a:t>化。</a:t>
+            </a:r>
+            <a:endParaRPr lang="zh-CN" altLang="en-US" dirty="0">
+              <a:solidFill>
+                <a:schemeClr val="bg1"/>
+              </a:solidFill>
+            </a:endParaRPr>
           </a:p>
         </p:txBody>
       </p:sp>
@@ -4901,7 +4907,7 @@
         </p:nvSpPr>
         <p:spPr>
           <a:xfrm>
-            <a:off x="1797538" y="4609257"/>
+            <a:off x="1797538" y="4780954"/>
             <a:ext cx="1524000" cy="601784"/>
           </a:xfrm>
           <a:prstGeom prst="roundRect">
@@ -4930,8 +4936,8 @@
           <a:p>
             <a:pPr algn="ctr"/>
             <a:r>
-              <a:rPr lang="en-US" altLang="zh-CN" b="1" dirty="0"/>
-              <a:t>Facade</a:t>
+              <a:rPr lang="zh-CN" altLang="en-US" b="1" dirty="0"/>
+              <a:t>迭代器模式</a:t>
             </a:r>
             <a:endParaRPr lang="zh-CN" altLang="en-US" dirty="0"/>
           </a:p>
@@ -4945,8 +4951,8 @@
         </p:nvSpPr>
         <p:spPr>
           <a:xfrm>
-            <a:off x="3845169" y="4712514"/>
-            <a:ext cx="7571303" cy="369332"/>
+            <a:off x="3845169" y="4897180"/>
+            <a:ext cx="7109639" cy="369332"/>
           </a:xfrm>
           <a:prstGeom prst="rect">
             <a:avLst/>
@@ -4960,167 +4966,18 @@
           <a:lstStyle/>
           <a:p>
             <a:r>
-              <a:rPr lang="zh-CN" altLang="en-US" dirty="0">
+              <a:rPr lang="zh-CN" altLang="en-US">
                 <a:solidFill>
                   <a:schemeClr val="bg1"/>
                 </a:solidFill>
               </a:rPr>
-              <a:t>为子系统中的一组接口提供一个一致的界面，使这一子系统更加容易使用</a:t>
-            </a:r>
-          </a:p>
-        </p:txBody>
-      </p:sp>
-      <p:sp>
-        <p:nvSpPr>
-          <p:cNvPr id="28" name="圆角矩形 27"/>
-          <p:cNvSpPr/>
-          <p:nvPr/>
-        </p:nvSpPr>
-        <p:spPr>
-          <a:xfrm>
-            <a:off x="1797538" y="5315218"/>
-            <a:ext cx="1524000" cy="601784"/>
-          </a:xfrm>
-          <a:prstGeom prst="roundRect">
-            <a:avLst/>
-          </a:prstGeom>
-        </p:spPr>
-        <p:style>
-          <a:lnRef idx="2">
-            <a:schemeClr val="accent1">
-              <a:shade val="50000"/>
-            </a:schemeClr>
-          </a:lnRef>
-          <a:fillRef idx="1">
-            <a:schemeClr val="accent1"/>
-          </a:fillRef>
-          <a:effectRef idx="0">
-            <a:schemeClr val="accent1"/>
-          </a:effectRef>
-          <a:fontRef idx="minor">
-            <a:schemeClr val="lt1"/>
-          </a:fontRef>
-        </p:style>
-        <p:txBody>
-          <a:bodyPr rtlCol="0" anchor="ctr"/>
-          <a:lstStyle/>
-          <a:p>
-            <a:pPr algn="ctr"/>
-            <a:r>
-              <a:rPr lang="en-US" altLang="zh-CN" dirty="0"/>
-              <a:t>Flyweight</a:t>
-            </a:r>
-            <a:endParaRPr lang="zh-CN" altLang="en-US" dirty="0"/>
-          </a:p>
-        </p:txBody>
-      </p:sp>
-      <p:sp>
-        <p:nvSpPr>
-          <p:cNvPr id="29" name="文本框 28"/>
-          <p:cNvSpPr txBox="1"/>
-          <p:nvPr/>
-        </p:nvSpPr>
-        <p:spPr>
-          <a:xfrm>
-            <a:off x="3845169" y="5412319"/>
-            <a:ext cx="4339650" cy="369332"/>
-          </a:xfrm>
-          <a:prstGeom prst="rect">
-            <a:avLst/>
-          </a:prstGeom>
-          <a:noFill/>
-        </p:spPr>
-        <p:txBody>
-          <a:bodyPr wrap="none" rtlCol="0">
-            <a:spAutoFit/>
-          </a:bodyPr>
-          <a:lstStyle/>
-          <a:p>
-            <a:r>
-              <a:rPr lang="zh-CN" altLang="en-US" dirty="0">
-                <a:solidFill>
-                  <a:schemeClr val="bg1"/>
-                </a:solidFill>
-              </a:rPr>
-              <a:t>运用共享技术有效的支持大量细粒度对象</a:t>
-            </a:r>
-          </a:p>
-        </p:txBody>
-      </p:sp>
-      <p:sp>
-        <p:nvSpPr>
-          <p:cNvPr id="15" name="圆角矩形 14"/>
-          <p:cNvSpPr/>
-          <p:nvPr/>
-        </p:nvSpPr>
-        <p:spPr>
-          <a:xfrm>
-            <a:off x="1817083" y="6022503"/>
-            <a:ext cx="1524000" cy="601784"/>
-          </a:xfrm>
-          <a:prstGeom prst="roundRect">
-            <a:avLst/>
-          </a:prstGeom>
-        </p:spPr>
-        <p:style>
-          <a:lnRef idx="2">
-            <a:schemeClr val="accent1">
-              <a:shade val="50000"/>
-            </a:schemeClr>
-          </a:lnRef>
-          <a:fillRef idx="1">
-            <a:schemeClr val="accent1"/>
-          </a:fillRef>
-          <a:effectRef idx="0">
-            <a:schemeClr val="accent1"/>
-          </a:effectRef>
-          <a:fontRef idx="minor">
-            <a:schemeClr val="lt1"/>
-          </a:fontRef>
-        </p:style>
-        <p:txBody>
-          <a:bodyPr rtlCol="0" anchor="ctr"/>
-          <a:lstStyle/>
-          <a:p>
-            <a:pPr algn="ctr"/>
-            <a:r>
-              <a:rPr lang="en-US" altLang="zh-CN" b="1" dirty="0"/>
-              <a:t>Proxy</a:t>
-            </a:r>
-            <a:endParaRPr lang="zh-CN" altLang="en-US" dirty="0"/>
-          </a:p>
-        </p:txBody>
-      </p:sp>
-      <p:sp>
-        <p:nvSpPr>
-          <p:cNvPr id="16" name="文本框 15"/>
-          <p:cNvSpPr txBox="1"/>
-          <p:nvPr/>
-        </p:nvSpPr>
-        <p:spPr>
-          <a:xfrm>
-            <a:off x="3864714" y="6119604"/>
-            <a:ext cx="5262979" cy="369332"/>
-          </a:xfrm>
-          <a:prstGeom prst="rect">
-            <a:avLst/>
-          </a:prstGeom>
-          <a:noFill/>
-        </p:spPr>
-        <p:txBody>
-          <a:bodyPr wrap="none" rtlCol="0">
-            <a:spAutoFit/>
-          </a:bodyPr>
-          <a:lstStyle/>
-          <a:p>
-            <a:r>
-              <a:rPr lang="zh-CN" altLang="en-US" dirty="0">
-                <a:solidFill>
-                  <a:schemeClr val="bg1"/>
-                </a:solidFill>
-              </a:rPr>
-              <a:t>为其它对象提供一种代理以控制对这种对象的访问</a:t>
-            </a:r>
+              <a:t>在不暴露对象内部结构的同时，可以顺序的访问聚合对象内部的元素</a:t>
+            </a:r>
+            <a:endParaRPr lang="zh-CN" altLang="en-US" dirty="0">
+              <a:solidFill>
+                <a:schemeClr val="bg1"/>
+              </a:solidFill>
+            </a:endParaRPr>
           </a:p>
         </p:txBody>
       </p:sp>
@@ -5367,96 +5224,6 @@
                       </p:childTnLst>
                     </p:cTn>
                   </p:par>
-                  <p:par>
-                    <p:cTn id="23" fill="hold">
-                      <p:stCondLst>
-                        <p:cond delay="indefinite"/>
-                      </p:stCondLst>
-                      <p:childTnLst>
-                        <p:par>
-                          <p:cTn id="24" fill="hold">
-                            <p:stCondLst>
-                              <p:cond delay="0"/>
-                            </p:stCondLst>
-                            <p:childTnLst>
-                              <p:par>
-                                <p:cTn id="25" presetID="1" presetClass="entr" presetSubtype="0" fill="hold" grpId="0" nodeType="clickEffect">
-                                  <p:stCondLst>
-                                    <p:cond delay="0"/>
-                                  </p:stCondLst>
-                                  <p:childTnLst>
-                                    <p:set>
-                                      <p:cBhvr>
-                                        <p:cTn id="26" dur="1" fill="hold">
-                                          <p:stCondLst>
-                                            <p:cond delay="0"/>
-                                          </p:stCondLst>
-                                        </p:cTn>
-                                        <p:tgtEl>
-                                          <p:spTgt spid="29"/>
-                                        </p:tgtEl>
-                                        <p:attrNameLst>
-                                          <p:attrName>style.visibility</p:attrName>
-                                        </p:attrNameLst>
-                                      </p:cBhvr>
-                                      <p:to>
-                                        <p:strVal val="visible"/>
-                                      </p:to>
-                                    </p:set>
-                                  </p:childTnLst>
-                                </p:cTn>
-                              </p:par>
-                            </p:childTnLst>
-                          </p:cTn>
-                        </p:par>
-                      </p:childTnLst>
-                    </p:cTn>
-                  </p:par>
-                  <p:par>
-                    <p:cTn id="27" fill="hold">
-                      <p:stCondLst>
-                        <p:cond delay="indefinite"/>
-                      </p:stCondLst>
-                      <p:childTnLst>
-                        <p:par>
-                          <p:cTn id="28" fill="hold">
-                            <p:stCondLst>
-                              <p:cond delay="0"/>
-                            </p:stCondLst>
-                            <p:childTnLst>
-                              <p:par>
-                                <p:cTn id="29" presetID="1" presetClass="entr" presetSubtype="0" fill="hold" grpId="0" nodeType="clickEffect">
-                                  <p:stCondLst>
-                                    <p:cond delay="0"/>
-                                  </p:stCondLst>
-                                  <p:childTnLst>
-                                    <p:set>
-                                      <p:cBhvr>
-                                        <p:cTn id="30" dur="1" fill="hold">
-                                          <p:stCondLst>
-                                            <p:cond delay="0"/>
-                                          </p:stCondLst>
-                                        </p:cTn>
-                                        <p:tgtEl>
-                                          <p:spTgt spid="16"/>
-                                        </p:tgtEl>
-                                        <p:attrNameLst>
-                                          <p:attrName>style.visibility</p:attrName>
-                                        </p:attrNameLst>
-                                      </p:cBhvr>
-                                      <p:to>
-                                        <p:strVal val="visible"/>
-                                      </p:to>
-                                    </p:set>
-                                  </p:childTnLst>
-                                </p:cTn>
-                              </p:par>
-                            </p:childTnLst>
-                          </p:cTn>
-                        </p:par>
-                      </p:childTnLst>
-                    </p:cTn>
-                  </p:par>
                 </p:childTnLst>
               </p:cTn>
               <p:prevCondLst>
@@ -5484,14 +5251,12 @@
       <p:bldP spid="23" grpId="0"/>
       <p:bldP spid="25" grpId="0"/>
       <p:bldP spid="27" grpId="0"/>
-      <p:bldP spid="29" grpId="0"/>
-      <p:bldP spid="16" grpId="0"/>
     </p:bldLst>
   </p:timing>
 </p:sld>
 </file>
 
-<file path=ppt/slides/slide7.xml><?xml version="1.0" encoding="utf-8"?>
+<file path=ppt/slides/slide6.xml><?xml version="1.0" encoding="utf-8"?>
 <p:sld xmlns:a="http://schemas.openxmlformats.org/drawingml/2006/main" xmlns:r="http://schemas.openxmlformats.org/officeDocument/2006/relationships" xmlns:p="http://schemas.openxmlformats.org/presentationml/2006/main">
   <p:cSld>
     <p:spTree>
@@ -5510,13 +5275,13 @@
       </p:grpSpPr>
       <p:sp>
         <p:nvSpPr>
-          <p:cNvPr id="2" name="文本框 1"/>
+          <p:cNvPr id="5" name="文本框 4"/>
           <p:cNvSpPr txBox="1"/>
           <p:nvPr/>
         </p:nvSpPr>
         <p:spPr>
           <a:xfrm>
-            <a:off x="-306486" y="748453"/>
+            <a:off x="0" y="429847"/>
             <a:ext cx="12129477" cy="1015663"/>
           </a:xfrm>
           <a:prstGeom prst="rect">
@@ -5537,7 +5302,7 @@
                   <a:schemeClr val="bg1"/>
                 </a:solidFill>
               </a:rPr>
-              <a:t>课后作业</a:t>
+              <a:t>设计总则</a:t>
             </a:r>
             <a:endParaRPr lang="zh-CN" altLang="en-US" sz="6000" dirty="0">
               <a:solidFill>
@@ -5547,66 +5312,36 @@
           </a:p>
         </p:txBody>
       </p:sp>
-      <p:sp>
-        <p:nvSpPr>
-          <p:cNvPr id="4" name="文本框 3"/>
-          <p:cNvSpPr txBox="1"/>
+      <p:pic>
+        <p:nvPicPr>
+          <p:cNvPr id="6" name="图片 5" descr="屏幕剪辑"/>
+          <p:cNvPicPr>
+            <a:picLocks noChangeAspect="1"/>
+          </p:cNvPicPr>
           <p:nvPr/>
-        </p:nvSpPr>
+        </p:nvPicPr>
+        <p:blipFill>
+          <a:blip r:embed="rId2">
+            <a:extLst>
+              <a:ext uri="{28A0092B-C50C-407E-A947-70E740481C1C}">
+                <a14:useLocalDpi xmlns:a14="http://schemas.microsoft.com/office/drawing/2010/main" val="0"/>
+              </a:ext>
+            </a:extLst>
+          </a:blip>
+          <a:stretch>
+            <a:fillRect/>
+          </a:stretch>
+        </p:blipFill>
         <p:spPr>
           <a:xfrm>
-            <a:off x="3902098" y="3048000"/>
-            <a:ext cx="4296241" cy="1754326"/>
+            <a:off x="2970868" y="1445510"/>
+            <a:ext cx="5562510" cy="5256182"/>
           </a:xfrm>
           <a:prstGeom prst="rect">
             <a:avLst/>
           </a:prstGeom>
-          <a:noFill/>
         </p:spPr>
-        <p:txBody>
-          <a:bodyPr wrap="square" rtlCol="0">
-            <a:spAutoFit/>
-          </a:bodyPr>
-          <a:lstStyle/>
-          <a:p>
-            <a:r>
-              <a:rPr lang="zh-CN" altLang="en-US" b="1" dirty="0" smtClean="0">
-                <a:solidFill>
-                  <a:schemeClr val="bg1"/>
-                </a:solidFill>
-              </a:rPr>
-              <a:t>把下面的代码从大型对象组合，改成享元模式。</a:t>
-            </a:r>
-            <a:endParaRPr lang="en-US" altLang="zh-CN" b="1" dirty="0" smtClean="0">
-              <a:solidFill>
-                <a:schemeClr val="bg1"/>
-              </a:solidFill>
-            </a:endParaRPr>
-          </a:p>
-          <a:p>
-            <a:r>
-              <a:rPr lang="en-US" altLang="zh-CN" b="1" dirty="0">
-                <a:solidFill>
-                  <a:schemeClr val="bg1"/>
-                </a:solidFill>
-              </a:rPr>
-              <a:t>https://github.com/643364103/design/tree/master/designpattern/patterns/structural</a:t>
-            </a:r>
-            <a:endParaRPr lang="zh-CN" altLang="en-US" b="1" dirty="0">
-              <a:solidFill>
-                <a:schemeClr val="bg1"/>
-              </a:solidFill>
-            </a:endParaRPr>
-          </a:p>
-          <a:p>
-            <a:endParaRPr lang="zh-CN" altLang="en-US" dirty="0">
-              <a:solidFill>
-                <a:schemeClr val="bg1"/>
-              </a:solidFill>
-            </a:endParaRPr>
-          </a:p>
-        </p:txBody>
-      </p:sp>
+      </p:pic>
     </p:spTree>
     <p:extLst>
       <p:ext uri="{BB962C8B-B14F-4D97-AF65-F5344CB8AC3E}">
@@ -5629,8 +5364,8 @@
 
 <file path=ppt/tags/tag1.xml><?xml version="1.0" encoding="utf-8"?>
 <p:tagLst xmlns:a="http://schemas.openxmlformats.org/drawingml/2006/main" xmlns:r="http://schemas.openxmlformats.org/officeDocument/2006/relationships" xmlns:p="http://schemas.openxmlformats.org/presentationml/2006/main">
-  <p:tag name="GUID" val="PPT1_7724875"/>
   <p:tag name="[PLUGINVER]" val="10"/>
+  <p:tag name="GUID" val="PPT1_11629687"/>
 </p:tagLst>
 </file>
 
